--- a/doc/wireframe/wireframe_설명.pptx
+++ b/doc/wireframe/wireframe_설명.pptx
@@ -299,7 +299,7 @@
           <a:p>
             <a:fld id="{4F21F186-2A9B-4DBB-B758-9FAA2458B2D2}" type="datetimeFigureOut">
               <a:rPr lang="ko-KR" altLang="en-US" smtClean="0"/>
-              <a:t>2020-03-24</a:t>
+              <a:t>2020-04-15</a:t>
             </a:fld>
             <a:endParaRPr lang="ko-KR" altLang="en-US"/>
           </a:p>
@@ -469,7 +469,7 @@
           <a:p>
             <a:fld id="{4F21F186-2A9B-4DBB-B758-9FAA2458B2D2}" type="datetimeFigureOut">
               <a:rPr lang="ko-KR" altLang="en-US" smtClean="0"/>
-              <a:t>2020-03-24</a:t>
+              <a:t>2020-04-15</a:t>
             </a:fld>
             <a:endParaRPr lang="ko-KR" altLang="en-US"/>
           </a:p>
@@ -649,7 +649,7 @@
           <a:p>
             <a:fld id="{4F21F186-2A9B-4DBB-B758-9FAA2458B2D2}" type="datetimeFigureOut">
               <a:rPr lang="ko-KR" altLang="en-US" smtClean="0"/>
-              <a:t>2020-03-24</a:t>
+              <a:t>2020-04-15</a:t>
             </a:fld>
             <a:endParaRPr lang="ko-KR" altLang="en-US"/>
           </a:p>
@@ -819,7 +819,7 @@
           <a:p>
             <a:fld id="{4F21F186-2A9B-4DBB-B758-9FAA2458B2D2}" type="datetimeFigureOut">
               <a:rPr lang="ko-KR" altLang="en-US" smtClean="0"/>
-              <a:t>2020-03-24</a:t>
+              <a:t>2020-04-15</a:t>
             </a:fld>
             <a:endParaRPr lang="ko-KR" altLang="en-US"/>
           </a:p>
@@ -1065,7 +1065,7 @@
           <a:p>
             <a:fld id="{4F21F186-2A9B-4DBB-B758-9FAA2458B2D2}" type="datetimeFigureOut">
               <a:rPr lang="ko-KR" altLang="en-US" smtClean="0"/>
-              <a:t>2020-03-24</a:t>
+              <a:t>2020-04-15</a:t>
             </a:fld>
             <a:endParaRPr lang="ko-KR" altLang="en-US"/>
           </a:p>
@@ -1353,7 +1353,7 @@
           <a:p>
             <a:fld id="{4F21F186-2A9B-4DBB-B758-9FAA2458B2D2}" type="datetimeFigureOut">
               <a:rPr lang="ko-KR" altLang="en-US" smtClean="0"/>
-              <a:t>2020-03-24</a:t>
+              <a:t>2020-04-15</a:t>
             </a:fld>
             <a:endParaRPr lang="ko-KR" altLang="en-US"/>
           </a:p>
@@ -1780,7 +1780,7 @@
           <a:p>
             <a:fld id="{4F21F186-2A9B-4DBB-B758-9FAA2458B2D2}" type="datetimeFigureOut">
               <a:rPr lang="ko-KR" altLang="en-US" smtClean="0"/>
-              <a:t>2020-03-24</a:t>
+              <a:t>2020-04-15</a:t>
             </a:fld>
             <a:endParaRPr lang="ko-KR" altLang="en-US"/>
           </a:p>
@@ -1898,7 +1898,7 @@
           <a:p>
             <a:fld id="{4F21F186-2A9B-4DBB-B758-9FAA2458B2D2}" type="datetimeFigureOut">
               <a:rPr lang="ko-KR" altLang="en-US" smtClean="0"/>
-              <a:t>2020-03-24</a:t>
+              <a:t>2020-04-15</a:t>
             </a:fld>
             <a:endParaRPr lang="ko-KR" altLang="en-US"/>
           </a:p>
@@ -1993,7 +1993,7 @@
           <a:p>
             <a:fld id="{4F21F186-2A9B-4DBB-B758-9FAA2458B2D2}" type="datetimeFigureOut">
               <a:rPr lang="ko-KR" altLang="en-US" smtClean="0"/>
-              <a:t>2020-03-24</a:t>
+              <a:t>2020-04-15</a:t>
             </a:fld>
             <a:endParaRPr lang="ko-KR" altLang="en-US"/>
           </a:p>
@@ -2270,7 +2270,7 @@
           <a:p>
             <a:fld id="{4F21F186-2A9B-4DBB-B758-9FAA2458B2D2}" type="datetimeFigureOut">
               <a:rPr lang="ko-KR" altLang="en-US" smtClean="0"/>
-              <a:t>2020-03-24</a:t>
+              <a:t>2020-04-15</a:t>
             </a:fld>
             <a:endParaRPr lang="ko-KR" altLang="en-US"/>
           </a:p>
@@ -2523,7 +2523,7 @@
           <a:p>
             <a:fld id="{4F21F186-2A9B-4DBB-B758-9FAA2458B2D2}" type="datetimeFigureOut">
               <a:rPr lang="ko-KR" altLang="en-US" smtClean="0"/>
-              <a:t>2020-03-24</a:t>
+              <a:t>2020-04-15</a:t>
             </a:fld>
             <a:endParaRPr lang="ko-KR" altLang="en-US"/>
           </a:p>
@@ -2736,7 +2736,7 @@
           <a:p>
             <a:fld id="{4F21F186-2A9B-4DBB-B758-9FAA2458B2D2}" type="datetimeFigureOut">
               <a:rPr lang="ko-KR" altLang="en-US" smtClean="0"/>
-              <a:t>2020-03-24</a:t>
+              <a:t>2020-04-15</a:t>
             </a:fld>
             <a:endParaRPr lang="ko-KR" altLang="en-US"/>
           </a:p>
@@ -5164,7 +5164,11 @@
             </a:pPr>
             <a:r>
               <a:rPr lang="ko-KR" altLang="en-US" sz="1600" dirty="0" smtClean="0"/>
-              <a:t>추천 게시물에서는 현재 키워드로 검색한 </a:t>
+              <a:t>검색된 게시물에서는 </a:t>
+            </a:r>
+            <a:r>
+              <a:rPr lang="ko-KR" altLang="en-US" sz="1600" dirty="0" smtClean="0"/>
+              <a:t>현재 키워드로 검색한 </a:t>
             </a:r>
             <a:r>
               <a:rPr lang="ko-KR" altLang="en-US" sz="1600" dirty="0" err="1" smtClean="0"/>
